--- a/RTOS/FreeRTOS_Lab.pptx
+++ b/RTOS/FreeRTOS_Lab.pptx
@@ -290,7 +290,7 @@
           <a:p>
             <a:fld id="{0DE91F4C-CCA3-468A-991E-B26E0AD0F711}" type="datetimeFigureOut">
               <a:rPr lang="en-US" smtClean="0"/>
-              <a:t>6/25/2024</a:t>
+              <a:t>6/30/2024</a:t>
             </a:fld>
             <a:endParaRPr lang="en-US"/>
           </a:p>
@@ -488,7 +488,7 @@
           <a:p>
             <a:fld id="{0DE91F4C-CCA3-468A-991E-B26E0AD0F711}" type="datetimeFigureOut">
               <a:rPr lang="en-US" smtClean="0"/>
-              <a:t>6/25/2024</a:t>
+              <a:t>6/30/2024</a:t>
             </a:fld>
             <a:endParaRPr lang="en-US"/>
           </a:p>
@@ -696,7 +696,7 @@
           <a:p>
             <a:fld id="{0DE91F4C-CCA3-468A-991E-B26E0AD0F711}" type="datetimeFigureOut">
               <a:rPr lang="en-US" smtClean="0"/>
-              <a:t>6/25/2024</a:t>
+              <a:t>6/30/2024</a:t>
             </a:fld>
             <a:endParaRPr lang="en-US"/>
           </a:p>
@@ -894,7 +894,7 @@
           <a:p>
             <a:fld id="{0DE91F4C-CCA3-468A-991E-B26E0AD0F711}" type="datetimeFigureOut">
               <a:rPr lang="en-US" smtClean="0"/>
-              <a:t>6/25/2024</a:t>
+              <a:t>6/30/2024</a:t>
             </a:fld>
             <a:endParaRPr lang="en-US"/>
           </a:p>
@@ -1169,7 +1169,7 @@
           <a:p>
             <a:fld id="{0DE91F4C-CCA3-468A-991E-B26E0AD0F711}" type="datetimeFigureOut">
               <a:rPr lang="en-US" smtClean="0"/>
-              <a:t>6/25/2024</a:t>
+              <a:t>6/30/2024</a:t>
             </a:fld>
             <a:endParaRPr lang="en-US"/>
           </a:p>
@@ -1434,7 +1434,7 @@
           <a:p>
             <a:fld id="{0DE91F4C-CCA3-468A-991E-B26E0AD0F711}" type="datetimeFigureOut">
               <a:rPr lang="en-US" smtClean="0"/>
-              <a:t>6/25/2024</a:t>
+              <a:t>6/30/2024</a:t>
             </a:fld>
             <a:endParaRPr lang="en-US"/>
           </a:p>
@@ -1846,7 +1846,7 @@
           <a:p>
             <a:fld id="{0DE91F4C-CCA3-468A-991E-B26E0AD0F711}" type="datetimeFigureOut">
               <a:rPr lang="en-US" smtClean="0"/>
-              <a:t>6/25/2024</a:t>
+              <a:t>6/30/2024</a:t>
             </a:fld>
             <a:endParaRPr lang="en-US"/>
           </a:p>
@@ -1987,7 +1987,7 @@
           <a:p>
             <a:fld id="{0DE91F4C-CCA3-468A-991E-B26E0AD0F711}" type="datetimeFigureOut">
               <a:rPr lang="en-US" smtClean="0"/>
-              <a:t>6/25/2024</a:t>
+              <a:t>6/30/2024</a:t>
             </a:fld>
             <a:endParaRPr lang="en-US"/>
           </a:p>
@@ -2100,7 +2100,7 @@
           <a:p>
             <a:fld id="{0DE91F4C-CCA3-468A-991E-B26E0AD0F711}" type="datetimeFigureOut">
               <a:rPr lang="en-US" smtClean="0"/>
-              <a:t>6/25/2024</a:t>
+              <a:t>6/30/2024</a:t>
             </a:fld>
             <a:endParaRPr lang="en-US"/>
           </a:p>
@@ -2411,7 +2411,7 @@
           <a:p>
             <a:fld id="{0DE91F4C-CCA3-468A-991E-B26E0AD0F711}" type="datetimeFigureOut">
               <a:rPr lang="en-US" smtClean="0"/>
-              <a:t>6/25/2024</a:t>
+              <a:t>6/30/2024</a:t>
             </a:fld>
             <a:endParaRPr lang="en-US"/>
           </a:p>
@@ -2699,7 +2699,7 @@
           <a:p>
             <a:fld id="{0DE91F4C-CCA3-468A-991E-B26E0AD0F711}" type="datetimeFigureOut">
               <a:rPr lang="en-US" smtClean="0"/>
-              <a:t>6/25/2024</a:t>
+              <a:t>6/30/2024</a:t>
             </a:fld>
             <a:endParaRPr lang="en-US"/>
           </a:p>
@@ -2940,7 +2940,7 @@
           <a:p>
             <a:fld id="{0DE91F4C-CCA3-468A-991E-B26E0AD0F711}" type="datetimeFigureOut">
               <a:rPr lang="en-US" smtClean="0"/>
-              <a:t>6/25/2024</a:t>
+              <a:t>6/30/2024</a:t>
             </a:fld>
             <a:endParaRPr lang="en-US"/>
           </a:p>
@@ -9001,11 +9001,310 @@
         </p:blipFill>
         <p:spPr>
           <a:xfrm>
-            <a:off x="914400" y="1180728"/>
-            <a:ext cx="10114625" cy="5505821"/>
+            <a:off x="74810" y="1136341"/>
+            <a:ext cx="9752770" cy="5308848"/>
           </a:xfrm>
         </p:spPr>
       </p:pic>
+      <p:sp>
+        <p:nvSpPr>
+          <p:cNvPr id="3" name="TextBox 2">
+            <a:extLst>
+              <a:ext uri="{FF2B5EF4-FFF2-40B4-BE49-F238E27FC236}">
+                <a16:creationId xmlns:a16="http://schemas.microsoft.com/office/drawing/2014/main" id="{82A86520-27C4-E694-2FE0-F2A861592DDF}"/>
+              </a:ext>
+            </a:extLst>
+          </p:cNvPr>
+          <p:cNvSpPr txBox="1"/>
+          <p:nvPr/>
+        </p:nvSpPr>
+        <p:spPr>
+          <a:xfrm>
+            <a:off x="9827580" y="751811"/>
+            <a:ext cx="2432481" cy="4524315"/>
+          </a:xfrm>
+          <a:prstGeom prst="rect">
+            <a:avLst/>
+          </a:prstGeom>
+          <a:noFill/>
+        </p:spPr>
+        <p:txBody>
+          <a:bodyPr wrap="square" rtlCol="0">
+            <a:spAutoFit/>
+          </a:bodyPr>
+          <a:lstStyle/>
+          <a:p>
+            <a:pPr algn="l"/>
+            <a:r>
+              <a:rPr lang="en-US" sz="1800" b="1" i="0" u="none" strike="noStrike" baseline="0" dirty="0">
+                <a:latin typeface="PalatinoLinotype-Bold"/>
+              </a:rPr>
+              <a:t>1. Timeline </a:t>
+            </a:r>
+            <a:r>
+              <a:rPr lang="en-US" sz="1800" b="0" i="0" u="none" strike="noStrike" baseline="0" dirty="0">
+                <a:latin typeface="PalatinoLinotype-Roman"/>
+              </a:rPr>
+              <a:t>shows a visual representation of task execution, including different</a:t>
+            </a:r>
+          </a:p>
+          <a:p>
+            <a:pPr algn="l"/>
+            <a:r>
+              <a:rPr lang="en-US" sz="1800" b="0" i="0" u="none" strike="noStrike" baseline="0" dirty="0">
+                <a:latin typeface="PalatinoLinotype-Roman"/>
+              </a:rPr>
+              <a:t>states.</a:t>
+            </a:r>
+          </a:p>
+          <a:p>
+            <a:pPr algn="l"/>
+            <a:r>
+              <a:rPr lang="en-US" sz="1800" b="0" i="0" u="none" strike="noStrike" baseline="0" dirty="0">
+                <a:latin typeface="PalatinoLinotype-Roman"/>
+              </a:rPr>
+              <a:t>2. The </a:t>
+            </a:r>
+            <a:r>
+              <a:rPr lang="en-US" sz="1800" b="1" i="0" u="none" strike="noStrike" baseline="0" dirty="0">
+                <a:latin typeface="PalatinoLinotype-Bold"/>
+              </a:rPr>
+              <a:t>Events </a:t>
+            </a:r>
+            <a:r>
+              <a:rPr lang="en-US" sz="1800" b="0" i="0" u="none" strike="noStrike" baseline="0" dirty="0">
+                <a:latin typeface="PalatinoLinotype-Roman"/>
+              </a:rPr>
+              <a:t>view shows a list of events. Selected events are linked to the timeline.</a:t>
+            </a:r>
+          </a:p>
+          <a:p>
+            <a:pPr algn="l"/>
+            <a:r>
+              <a:rPr lang="en-US" sz="1800" b="0" i="0" u="none" strike="noStrike" baseline="0" dirty="0">
+                <a:latin typeface="PalatinoLinotype-Roman"/>
+              </a:rPr>
+              <a:t>3. The </a:t>
+            </a:r>
+            <a:r>
+              <a:rPr lang="en-US" sz="1800" b="1" i="0" u="none" strike="noStrike" baseline="0" dirty="0">
+                <a:latin typeface="PalatinoLinotype-Bold"/>
+              </a:rPr>
+              <a:t>Context </a:t>
+            </a:r>
+            <a:r>
+              <a:rPr lang="en-US" sz="1800" b="0" i="0" u="none" strike="noStrike" baseline="0" dirty="0">
+                <a:latin typeface="PalatinoLinotype-Roman"/>
+              </a:rPr>
+              <a:t>view shows statistics for all events.</a:t>
+            </a:r>
+          </a:p>
+          <a:p>
+            <a:pPr algn="l"/>
+            <a:r>
+              <a:rPr lang="en-US" sz="1800" b="1" i="0" u="none" strike="noStrike" baseline="0" dirty="0">
+                <a:latin typeface="PalatinoLinotype-Bold"/>
+              </a:rPr>
+              <a:t>4. Terminal </a:t>
+            </a:r>
+            <a:r>
+              <a:rPr lang="en-US" sz="1800" b="0" i="0" u="none" strike="noStrike" baseline="0" dirty="0">
+                <a:latin typeface="PalatinoLinotype-Roman"/>
+              </a:rPr>
+              <a:t>can be used to show </a:t>
+            </a:r>
+            <a:r>
+              <a:rPr lang="en-US" sz="1800" b="0" i="0" u="none" strike="noStrike" baseline="0" dirty="0" err="1">
+                <a:latin typeface="PalatinoLinotype-Roman"/>
+              </a:rPr>
+              <a:t>printf</a:t>
+            </a:r>
+            <a:r>
+              <a:rPr lang="en-US" sz="1800" b="0" i="0" u="none" strike="noStrike" baseline="0" dirty="0">
+                <a:latin typeface="PalatinoLinotype-Roman"/>
+              </a:rPr>
+              <a:t>-like messages from your code.</a:t>
+            </a:r>
+            <a:endParaRPr lang="en-US" dirty="0"/>
+          </a:p>
+        </p:txBody>
+      </p:sp>
+      <p:sp>
+        <p:nvSpPr>
+          <p:cNvPr id="4" name="TextBox 3">
+            <a:extLst>
+              <a:ext uri="{FF2B5EF4-FFF2-40B4-BE49-F238E27FC236}">
+                <a16:creationId xmlns:a16="http://schemas.microsoft.com/office/drawing/2014/main" id="{6033C71D-339B-8E47-C222-FC54F59C3721}"/>
+              </a:ext>
+            </a:extLst>
+          </p:cNvPr>
+          <p:cNvSpPr txBox="1"/>
+          <p:nvPr/>
+        </p:nvSpPr>
+        <p:spPr>
+          <a:xfrm>
+            <a:off x="35601" y="3559932"/>
+            <a:ext cx="319596" cy="461665"/>
+          </a:xfrm>
+          <a:prstGeom prst="rect">
+            <a:avLst/>
+          </a:prstGeom>
+          <a:noFill/>
+        </p:spPr>
+        <p:txBody>
+          <a:bodyPr wrap="square" rtlCol="0">
+            <a:spAutoFit/>
+          </a:bodyPr>
+          <a:lstStyle/>
+          <a:p>
+            <a:r>
+              <a:rPr lang="en-US" sz="2400" b="1" dirty="0">
+                <a:solidFill>
+                  <a:srgbClr val="FF0000"/>
+                </a:solidFill>
+              </a:rPr>
+              <a:t>1</a:t>
+            </a:r>
+            <a:endParaRPr lang="en-US" b="1" dirty="0">
+              <a:solidFill>
+                <a:srgbClr val="FF0000"/>
+              </a:solidFill>
+            </a:endParaRPr>
+          </a:p>
+        </p:txBody>
+      </p:sp>
+      <p:sp>
+        <p:nvSpPr>
+          <p:cNvPr id="6" name="TextBox 5">
+            <a:extLst>
+              <a:ext uri="{FF2B5EF4-FFF2-40B4-BE49-F238E27FC236}">
+                <a16:creationId xmlns:a16="http://schemas.microsoft.com/office/drawing/2014/main" id="{DCCB28E2-D143-05CF-4161-7BEF2E15769B}"/>
+              </a:ext>
+            </a:extLst>
+          </p:cNvPr>
+          <p:cNvSpPr txBox="1"/>
+          <p:nvPr/>
+        </p:nvSpPr>
+        <p:spPr>
+          <a:xfrm>
+            <a:off x="-84988" y="1748466"/>
+            <a:ext cx="319596" cy="461665"/>
+          </a:xfrm>
+          <a:prstGeom prst="rect">
+            <a:avLst/>
+          </a:prstGeom>
+          <a:noFill/>
+        </p:spPr>
+        <p:txBody>
+          <a:bodyPr wrap="square" rtlCol="0">
+            <a:spAutoFit/>
+          </a:bodyPr>
+          <a:lstStyle/>
+          <a:p>
+            <a:r>
+              <a:rPr lang="en-US" sz="2400" b="1" dirty="0">
+                <a:solidFill>
+                  <a:srgbClr val="FF0000"/>
+                </a:solidFill>
+              </a:rPr>
+              <a:t>2</a:t>
+            </a:r>
+            <a:endParaRPr lang="en-US" b="1" dirty="0">
+              <a:solidFill>
+                <a:srgbClr val="FF0000"/>
+              </a:solidFill>
+            </a:endParaRPr>
+          </a:p>
+        </p:txBody>
+      </p:sp>
+      <p:sp>
+        <p:nvSpPr>
+          <p:cNvPr id="7" name="TextBox 6">
+            <a:extLst>
+              <a:ext uri="{FF2B5EF4-FFF2-40B4-BE49-F238E27FC236}">
+                <a16:creationId xmlns:a16="http://schemas.microsoft.com/office/drawing/2014/main" id="{EE350D24-B5C6-F797-11E8-3175602797F3}"/>
+              </a:ext>
+            </a:extLst>
+          </p:cNvPr>
+          <p:cNvSpPr txBox="1"/>
+          <p:nvPr/>
+        </p:nvSpPr>
+        <p:spPr>
+          <a:xfrm>
+            <a:off x="508987" y="5347133"/>
+            <a:ext cx="319596" cy="461665"/>
+          </a:xfrm>
+          <a:prstGeom prst="rect">
+            <a:avLst/>
+          </a:prstGeom>
+          <a:noFill/>
+        </p:spPr>
+        <p:txBody>
+          <a:bodyPr wrap="square" rtlCol="0">
+            <a:spAutoFit/>
+          </a:bodyPr>
+          <a:lstStyle/>
+          <a:p>
+            <a:r>
+              <a:rPr lang="en-US" sz="2400" b="1" dirty="0">
+                <a:solidFill>
+                  <a:srgbClr val="FF0000"/>
+                </a:solidFill>
+              </a:rPr>
+              <a:t>3</a:t>
+            </a:r>
+            <a:endParaRPr lang="en-US" b="1" dirty="0">
+              <a:solidFill>
+                <a:srgbClr val="FF0000"/>
+              </a:solidFill>
+            </a:endParaRPr>
+          </a:p>
+        </p:txBody>
+      </p:sp>
+      <p:sp>
+        <p:nvSpPr>
+          <p:cNvPr id="8" name="TextBox 7">
+            <a:extLst>
+              <a:ext uri="{FF2B5EF4-FFF2-40B4-BE49-F238E27FC236}">
+                <a16:creationId xmlns:a16="http://schemas.microsoft.com/office/drawing/2014/main" id="{B554E824-6C8E-4BA1-14D1-99243785488A}"/>
+              </a:ext>
+            </a:extLst>
+          </p:cNvPr>
+          <p:cNvSpPr txBox="1"/>
+          <p:nvPr/>
+        </p:nvSpPr>
+        <p:spPr>
+          <a:xfrm>
+            <a:off x="6059750" y="1240781"/>
+            <a:ext cx="319596" cy="461665"/>
+          </a:xfrm>
+          <a:prstGeom prst="rect">
+            <a:avLst/>
+          </a:prstGeom>
+          <a:noFill/>
+        </p:spPr>
+        <p:txBody>
+          <a:bodyPr wrap="square" rtlCol="0">
+            <a:spAutoFit/>
+          </a:bodyPr>
+          <a:lstStyle/>
+          <a:p>
+            <a:r>
+              <a:rPr lang="en-US" sz="2400" b="1" dirty="0">
+                <a:solidFill>
+                  <a:srgbClr val="FF0000"/>
+                </a:solidFill>
+              </a:rPr>
+              <a:t>4</a:t>
+            </a:r>
+            <a:endParaRPr lang="en-US" b="1" dirty="0">
+              <a:solidFill>
+                <a:srgbClr val="FF0000"/>
+              </a:solidFill>
+            </a:endParaRPr>
+          </a:p>
+        </p:txBody>
+      </p:sp>
     </p:spTree>
     <p:extLst>
       <p:ext uri="{BB962C8B-B14F-4D97-AF65-F5344CB8AC3E}">
